--- a/presentation/reactive-microservice.pptx
+++ b/presentation/reactive-microservice.pptx
@@ -218,7 +218,7 @@
           <a:p>
             <a:fld id="{7DCE9784-A0F5-48D8-B982-4A1C569D41F5}" type="datetimeFigureOut">
               <a:rPr lang="en-US" smtClean="0"/>
-              <a:t>10/14/2018</a:t>
+              <a:t>10/15/2018</a:t>
             </a:fld>
             <a:endParaRPr lang="en-US"/>
           </a:p>
@@ -1230,7 +1230,7 @@
           <a:p>
             <a:fld id="{D2823C25-744F-4FC2-97CE-C2C9052CCE26}" type="datetimeFigureOut">
               <a:rPr lang="en-US" smtClean="0"/>
-              <a:t>10/14/2018</a:t>
+              <a:t>10/15/2018</a:t>
             </a:fld>
             <a:endParaRPr lang="en-US"/>
           </a:p>
@@ -1481,7 +1481,7 @@
           <a:p>
             <a:fld id="{D2823C25-744F-4FC2-97CE-C2C9052CCE26}" type="datetimeFigureOut">
               <a:rPr lang="en-US" smtClean="0"/>
-              <a:t>10/14/2018</a:t>
+              <a:t>10/15/2018</a:t>
             </a:fld>
             <a:endParaRPr lang="en-US"/>
           </a:p>
@@ -1795,7 +1795,7 @@
           <a:p>
             <a:fld id="{D2823C25-744F-4FC2-97CE-C2C9052CCE26}" type="datetimeFigureOut">
               <a:rPr lang="en-US" smtClean="0"/>
-              <a:t>10/14/2018</a:t>
+              <a:t>10/15/2018</a:t>
             </a:fld>
             <a:endParaRPr lang="en-US"/>
           </a:p>
@@ -2128,7 +2128,7 @@
           <a:p>
             <a:fld id="{D2823C25-744F-4FC2-97CE-C2C9052CCE26}" type="datetimeFigureOut">
               <a:rPr lang="en-US" smtClean="0"/>
-              <a:t>10/14/2018</a:t>
+              <a:t>10/15/2018</a:t>
             </a:fld>
             <a:endParaRPr lang="en-US"/>
           </a:p>
@@ -2442,7 +2442,7 @@
           <a:p>
             <a:fld id="{D2823C25-744F-4FC2-97CE-C2C9052CCE26}" type="datetimeFigureOut">
               <a:rPr lang="en-US" smtClean="0"/>
-              <a:t>10/14/2018</a:t>
+              <a:t>10/15/2018</a:t>
             </a:fld>
             <a:endParaRPr lang="en-US"/>
           </a:p>
@@ -2835,7 +2835,7 @@
           <a:p>
             <a:fld id="{D2823C25-744F-4FC2-97CE-C2C9052CCE26}" type="datetimeFigureOut">
               <a:rPr lang="en-US" smtClean="0"/>
-              <a:t>10/14/2018</a:t>
+              <a:t>10/15/2018</a:t>
             </a:fld>
             <a:endParaRPr lang="en-US"/>
           </a:p>
@@ -3005,7 +3005,7 @@
           <a:p>
             <a:fld id="{D2823C25-744F-4FC2-97CE-C2C9052CCE26}" type="datetimeFigureOut">
               <a:rPr lang="en-US" smtClean="0"/>
-              <a:t>10/14/2018</a:t>
+              <a:t>10/15/2018</a:t>
             </a:fld>
             <a:endParaRPr lang="en-US"/>
           </a:p>
@@ -3185,7 +3185,7 @@
           <a:p>
             <a:fld id="{D2823C25-744F-4FC2-97CE-C2C9052CCE26}" type="datetimeFigureOut">
               <a:rPr lang="en-US" smtClean="0"/>
-              <a:t>10/14/2018</a:t>
+              <a:t>10/15/2018</a:t>
             </a:fld>
             <a:endParaRPr lang="en-US"/>
           </a:p>
@@ -3355,7 +3355,7 @@
           <a:p>
             <a:fld id="{D2823C25-744F-4FC2-97CE-C2C9052CCE26}" type="datetimeFigureOut">
               <a:rPr lang="en-US" smtClean="0"/>
-              <a:t>10/14/2018</a:t>
+              <a:t>10/15/2018</a:t>
             </a:fld>
             <a:endParaRPr lang="en-US"/>
           </a:p>
@@ -3602,7 +3602,7 @@
           <a:p>
             <a:fld id="{D2823C25-744F-4FC2-97CE-C2C9052CCE26}" type="datetimeFigureOut">
               <a:rPr lang="en-US" smtClean="0"/>
-              <a:t>10/14/2018</a:t>
+              <a:t>10/15/2018</a:t>
             </a:fld>
             <a:endParaRPr lang="en-US"/>
           </a:p>
@@ -3834,7 +3834,7 @@
           <a:p>
             <a:fld id="{D2823C25-744F-4FC2-97CE-C2C9052CCE26}" type="datetimeFigureOut">
               <a:rPr lang="en-US" smtClean="0"/>
-              <a:t>10/14/2018</a:t>
+              <a:t>10/15/2018</a:t>
             </a:fld>
             <a:endParaRPr lang="en-US"/>
           </a:p>
@@ -4208,7 +4208,7 @@
           <a:p>
             <a:fld id="{D2823C25-744F-4FC2-97CE-C2C9052CCE26}" type="datetimeFigureOut">
               <a:rPr lang="en-US" smtClean="0"/>
-              <a:t>10/14/2018</a:t>
+              <a:t>10/15/2018</a:t>
             </a:fld>
             <a:endParaRPr lang="en-US"/>
           </a:p>
@@ -4331,7 +4331,7 @@
           <a:p>
             <a:fld id="{D2823C25-744F-4FC2-97CE-C2C9052CCE26}" type="datetimeFigureOut">
               <a:rPr lang="en-US" smtClean="0"/>
-              <a:t>10/14/2018</a:t>
+              <a:t>10/15/2018</a:t>
             </a:fld>
             <a:endParaRPr lang="en-US"/>
           </a:p>
@@ -4426,7 +4426,7 @@
           <a:p>
             <a:fld id="{D2823C25-744F-4FC2-97CE-C2C9052CCE26}" type="datetimeFigureOut">
               <a:rPr lang="en-US" smtClean="0"/>
-              <a:t>10/14/2018</a:t>
+              <a:t>10/15/2018</a:t>
             </a:fld>
             <a:endParaRPr lang="en-US"/>
           </a:p>
@@ -4681,7 +4681,7 @@
           <a:p>
             <a:fld id="{D2823C25-744F-4FC2-97CE-C2C9052CCE26}" type="datetimeFigureOut">
               <a:rPr lang="en-US" smtClean="0"/>
-              <a:t>10/14/2018</a:t>
+              <a:t>10/15/2018</a:t>
             </a:fld>
             <a:endParaRPr lang="en-US"/>
           </a:p>
@@ -4986,7 +4986,7 @@
           <a:p>
             <a:fld id="{D2823C25-744F-4FC2-97CE-C2C9052CCE26}" type="datetimeFigureOut">
               <a:rPr lang="en-US" smtClean="0"/>
-              <a:t>10/14/2018</a:t>
+              <a:t>10/15/2018</a:t>
             </a:fld>
             <a:endParaRPr lang="en-US"/>
           </a:p>
@@ -5691,7 +5691,7 @@
           <a:p>
             <a:fld id="{D2823C25-744F-4FC2-97CE-C2C9052CCE26}" type="datetimeFigureOut">
               <a:rPr lang="en-US" smtClean="0"/>
-              <a:t>10/14/2018</a:t>
+              <a:t>10/15/2018</a:t>
             </a:fld>
             <a:endParaRPr lang="en-US"/>
           </a:p>
@@ -6683,8 +6683,8 @@
         </p:nvSpPr>
         <p:spPr>
           <a:xfrm>
-            <a:off x="981076" y="766732"/>
-            <a:ext cx="9829800" cy="5324535"/>
+            <a:off x="504825" y="766732"/>
+            <a:ext cx="11363325" cy="5324535"/>
           </a:xfrm>
           <a:prstGeom prst="rect">
             <a:avLst/>
@@ -6759,7 +6759,7 @@
               <a:rPr lang="en-US" sz="2000" b="1" dirty="0">
                 <a:latin typeface="Consolas" panose="020B0609020204030204" pitchFamily="49" charset="0"/>
               </a:rPr>
-              <a:t>  </a:t>
+              <a:t>         </a:t>
             </a:r>
             <a:r>
               <a:rPr lang="en-US" sz="2000" b="1" dirty="0" err="1">
@@ -6814,7 +6814,22 @@
               <a:rPr lang="en-US" sz="2000" b="1" dirty="0">
                 <a:latin typeface="Consolas" panose="020B0609020204030204" pitchFamily="49" charset="0"/>
               </a:rPr>
-              <a:t>      complete((Forbidden, </a:t>
+              <a:t>      complete((</a:t>
+            </a:r>
+            <a:r>
+              <a:rPr lang="en-US" sz="2000" b="1" i="1" dirty="0">
+                <a:solidFill>
+                  <a:srgbClr val="7030A0"/>
+                </a:solidFill>
+                <a:latin typeface="Consolas" panose="020B0609020204030204" pitchFamily="49" charset="0"/>
+              </a:rPr>
+              <a:t>Forbidden</a:t>
+            </a:r>
+            <a:r>
+              <a:rPr lang="en-US" sz="2000" b="1" dirty="0">
+                <a:latin typeface="Consolas" panose="020B0609020204030204" pitchFamily="49" charset="0"/>
+              </a:rPr>
+              <a:t>, </a:t>
             </a:r>
             <a:r>
               <a:rPr lang="en-US" sz="2000" b="1" dirty="0">
@@ -6883,10 +6898,147 @@
               <a:t>      complete((</a:t>
             </a:r>
             <a:r>
+              <a:rPr lang="en-US" sz="2000" b="1" i="1" dirty="0" err="1">
+                <a:solidFill>
+                  <a:srgbClr val="7030A0"/>
+                </a:solidFill>
+                <a:latin typeface="Consolas" panose="020B0609020204030204" pitchFamily="49" charset="0"/>
+              </a:rPr>
+              <a:t>InternalServerError</a:t>
+            </a:r>
+            <a:r>
+              <a:rPr lang="en-US" sz="2000" b="1" dirty="0">
+                <a:latin typeface="Consolas" panose="020B0609020204030204" pitchFamily="49" charset="0"/>
+              </a:rPr>
+              <a:t>, </a:t>
+            </a:r>
+            <a:r>
               <a:rPr lang="en-US" sz="2000" b="1" dirty="0" err="1">
-                <a:latin typeface="Consolas" panose="020B0609020204030204" pitchFamily="49" charset="0"/>
-              </a:rPr>
-              <a:t>InternalServerError</a:t>
+                <a:solidFill>
+                  <a:srgbClr val="00B050"/>
+                </a:solidFill>
+                <a:latin typeface="Consolas" panose="020B0609020204030204" pitchFamily="49" charset="0"/>
+              </a:rPr>
+              <a:t>s"$msg</a:t>
+            </a:r>
+            <a:r>
+              <a:rPr lang="en-US" sz="2000" b="1" dirty="0">
+                <a:solidFill>
+                  <a:srgbClr val="00B050"/>
+                </a:solidFill>
+                <a:latin typeface="Consolas" panose="020B0609020204030204" pitchFamily="49" charset="0"/>
+              </a:rPr>
+              <a:t>"</a:t>
+            </a:r>
+            <a:r>
+              <a:rPr lang="en-US" sz="2000" b="1" dirty="0">
+                <a:latin typeface="Consolas" panose="020B0609020204030204" pitchFamily="49" charset="0"/>
+              </a:rPr>
+              <a:t>))</a:t>
+            </a:r>
+          </a:p>
+          <a:p>
+            <a:r>
+              <a:rPr lang="en-US" sz="2000" b="1" dirty="0">
+                <a:latin typeface="Consolas" panose="020B0609020204030204" pitchFamily="49" charset="0"/>
+              </a:rPr>
+              <a:t>    }</a:t>
+            </a:r>
+          </a:p>
+          <a:p>
+            <a:r>
+              <a:rPr lang="en-US" sz="2000" b="1" dirty="0">
+                <a:latin typeface="Consolas" panose="020B0609020204030204" pitchFamily="49" charset="0"/>
+              </a:rPr>
+              <a:t>    .</a:t>
+            </a:r>
+            <a:r>
+              <a:rPr lang="en-US" sz="2000" b="1" dirty="0" err="1">
+                <a:latin typeface="Consolas" panose="020B0609020204030204" pitchFamily="49" charset="0"/>
+              </a:rPr>
+              <a:t>handleAll</a:t>
+            </a:r>
+            <a:r>
+              <a:rPr lang="en-US" sz="2000" b="1" dirty="0">
+                <a:latin typeface="Consolas" panose="020B0609020204030204" pitchFamily="49" charset="0"/>
+              </a:rPr>
+              <a:t>[</a:t>
+            </a:r>
+            <a:r>
+              <a:rPr lang="en-US" sz="2000" b="1" dirty="0" err="1">
+                <a:latin typeface="Consolas" panose="020B0609020204030204" pitchFamily="49" charset="0"/>
+              </a:rPr>
+              <a:t>MethodRejection</a:t>
+            </a:r>
+            <a:r>
+              <a:rPr lang="en-US" sz="2000" b="1" dirty="0">
+                <a:latin typeface="Consolas" panose="020B0609020204030204" pitchFamily="49" charset="0"/>
+              </a:rPr>
+              <a:t>] { </a:t>
+            </a:r>
+            <a:r>
+              <a:rPr lang="en-US" sz="2000" b="1" dirty="0" err="1">
+                <a:latin typeface="Consolas" panose="020B0609020204030204" pitchFamily="49" charset="0"/>
+              </a:rPr>
+              <a:t>methodRejections</a:t>
+            </a:r>
+            <a:r>
+              <a:rPr lang="en-US" sz="2000" b="1" dirty="0">
+                <a:latin typeface="Consolas" panose="020B0609020204030204" pitchFamily="49" charset="0"/>
+              </a:rPr>
+              <a:t> =&gt;</a:t>
+            </a:r>
+          </a:p>
+          <a:p>
+            <a:r>
+              <a:rPr lang="en-US" sz="2000" b="1" dirty="0">
+                <a:latin typeface="Consolas" panose="020B0609020204030204" pitchFamily="49" charset="0"/>
+              </a:rPr>
+              <a:t>      </a:t>
+            </a:r>
+            <a:r>
+              <a:rPr lang="en-US" sz="2000" b="1" dirty="0" err="1">
+                <a:solidFill>
+                  <a:srgbClr val="EEB500"/>
+                </a:solidFill>
+                <a:latin typeface="Consolas" panose="020B0609020204030204" pitchFamily="49" charset="0"/>
+              </a:rPr>
+              <a:t>val</a:t>
+            </a:r>
+            <a:r>
+              <a:rPr lang="en-US" sz="2000" b="1" dirty="0">
+                <a:latin typeface="Consolas" panose="020B0609020204030204" pitchFamily="49" charset="0"/>
+              </a:rPr>
+              <a:t> names = </a:t>
+            </a:r>
+            <a:r>
+              <a:rPr lang="en-US" sz="2000" b="1" dirty="0" err="1">
+                <a:latin typeface="Consolas" panose="020B0609020204030204" pitchFamily="49" charset="0"/>
+              </a:rPr>
+              <a:t>methodRejections.map</a:t>
+            </a:r>
+            <a:r>
+              <a:rPr lang="en-US" sz="2000" b="1" dirty="0">
+                <a:latin typeface="Consolas" panose="020B0609020204030204" pitchFamily="49" charset="0"/>
+              </a:rPr>
+              <a:t>(_.supported.name)</a:t>
+            </a:r>
+          </a:p>
+          <a:p>
+            <a:r>
+              <a:rPr lang="en-US" sz="2000" b="1" dirty="0">
+                <a:latin typeface="Consolas" panose="020B0609020204030204" pitchFamily="49" charset="0"/>
+              </a:rPr>
+              <a:t>      complete((</a:t>
+            </a:r>
+            <a:r>
+              <a:rPr lang="en-US" sz="2000" b="1" i="1" dirty="0" err="1">
+                <a:solidFill>
+                  <a:srgbClr val="7030A0"/>
+                </a:solidFill>
+                <a:latin typeface="Consolas" panose="020B0609020204030204" pitchFamily="49" charset="0"/>
+              </a:rPr>
+              <a:t>MethodNotAllowed</a:t>
             </a:r>
             <a:r>
               <a:rPr lang="en-US" sz="2000" b="1" dirty="0">
@@ -6894,6 +7046,14 @@
               </a:rPr>
               <a:t>, </a:t>
             </a:r>
+          </a:p>
+          <a:p>
+            <a:r>
+              <a:rPr lang="en-US" sz="2000" b="1" dirty="0">
+                <a:latin typeface="Consolas" panose="020B0609020204030204" pitchFamily="49" charset="0"/>
+              </a:rPr>
+              <a:t>         </a:t>
+            </a:r>
             <a:r>
               <a:rPr lang="en-US" sz="2000" b="1" dirty="0" err="1">
                 <a:solidFill>
@@ -6901,7 +7061,7 @@
                 </a:solidFill>
                 <a:latin typeface="Consolas" panose="020B0609020204030204" pitchFamily="49" charset="0"/>
               </a:rPr>
-              <a:t>s"$msg</a:t>
+              <a:t>s"Can't</a:t>
             </a:r>
             <a:r>
               <a:rPr lang="en-US" sz="2000" b="1" dirty="0">
@@ -6910,7 +7070,43 @@
                 </a:solidFill>
                 <a:latin typeface="Consolas" panose="020B0609020204030204" pitchFamily="49" charset="0"/>
               </a:rPr>
-              <a:t>"</a:t>
+              <a:t> do that! Supported: </a:t>
+            </a:r>
+            <a:r>
+              <a:rPr lang="en-US" sz="2000" b="1" dirty="0">
+                <a:solidFill>
+                  <a:srgbClr val="EEB500"/>
+                </a:solidFill>
+                <a:latin typeface="Consolas" panose="020B0609020204030204" pitchFamily="49" charset="0"/>
+              </a:rPr>
+              <a:t>${names </a:t>
+            </a:r>
+            <a:r>
+              <a:rPr lang="en-US" sz="2000" b="1" dirty="0" err="1">
+                <a:solidFill>
+                  <a:srgbClr val="EEB500"/>
+                </a:solidFill>
+                <a:latin typeface="Consolas" panose="020B0609020204030204" pitchFamily="49" charset="0"/>
+              </a:rPr>
+              <a:t>mkString</a:t>
+            </a:r>
+            <a:r>
+              <a:rPr lang="en-US" sz="2000" b="1" dirty="0">
+                <a:solidFill>
+                  <a:srgbClr val="EEB500"/>
+                </a:solidFill>
+                <a:latin typeface="Consolas" panose="020B0609020204030204" pitchFamily="49" charset="0"/>
+              </a:rPr>
+              <a:t> " or "}</a:t>
+            </a:r>
+            <a:r>
+              <a:rPr lang="en-US" sz="2000" b="1" dirty="0">
+                <a:solidFill>
+                  <a:srgbClr val="00B050"/>
+                </a:solidFill>
+                <a:latin typeface="Consolas" panose="020B0609020204030204" pitchFamily="49" charset="0"/>
+              </a:rPr>
+              <a:t>!"</a:t>
             </a:r>
             <a:r>
               <a:rPr lang="en-US" sz="2000" b="1" dirty="0">
@@ -6938,72 +7134,13 @@
               <a:rPr lang="en-US" sz="2000" b="1" dirty="0" err="1">
                 <a:latin typeface="Consolas" panose="020B0609020204030204" pitchFamily="49" charset="0"/>
               </a:rPr>
-              <a:t>handleAll</a:t>
-            </a:r>
-            <a:r>
-              <a:rPr lang="en-US" sz="2000" b="1" dirty="0">
-                <a:latin typeface="Consolas" panose="020B0609020204030204" pitchFamily="49" charset="0"/>
-              </a:rPr>
-              <a:t>[</a:t>
-            </a:r>
-            <a:r>
-              <a:rPr lang="en-US" sz="2000" b="1" dirty="0" err="1">
-                <a:latin typeface="Consolas" panose="020B0609020204030204" pitchFamily="49" charset="0"/>
-              </a:rPr>
-              <a:t>MethodRejection</a:t>
-            </a:r>
-            <a:r>
-              <a:rPr lang="en-US" sz="2000" b="1" dirty="0">
-                <a:latin typeface="Consolas" panose="020B0609020204030204" pitchFamily="49" charset="0"/>
-              </a:rPr>
-              <a:t>] { </a:t>
-            </a:r>
-            <a:r>
-              <a:rPr lang="en-US" sz="2000" b="1" dirty="0" err="1">
-                <a:latin typeface="Consolas" panose="020B0609020204030204" pitchFamily="49" charset="0"/>
-              </a:rPr>
-              <a:t>methodRejections</a:t>
-            </a:r>
-            <a:r>
-              <a:rPr lang="en-US" sz="2000" b="1" dirty="0">
-                <a:latin typeface="Consolas" panose="020B0609020204030204" pitchFamily="49" charset="0"/>
-              </a:rPr>
-              <a:t> =&gt;</a:t>
-            </a:r>
-          </a:p>
-          <a:p>
-            <a:r>
-              <a:rPr lang="en-US" sz="2000" b="1" dirty="0">
-                <a:latin typeface="Consolas" panose="020B0609020204030204" pitchFamily="49" charset="0"/>
-              </a:rPr>
-              <a:t>      </a:t>
-            </a:r>
-            <a:r>
-              <a:rPr lang="en-US" sz="2000" b="1" dirty="0" err="1">
-                <a:solidFill>
-                  <a:srgbClr val="EEB500"/>
-                </a:solidFill>
-                <a:latin typeface="Consolas" panose="020B0609020204030204" pitchFamily="49" charset="0"/>
-              </a:rPr>
-              <a:t>val</a:t>
-            </a:r>
-            <a:r>
-              <a:rPr lang="en-US" sz="2000" b="1" dirty="0">
-                <a:latin typeface="Consolas" panose="020B0609020204030204" pitchFamily="49" charset="0"/>
-              </a:rPr>
-              <a:t> names = </a:t>
-            </a:r>
-            <a:r>
-              <a:rPr lang="en-US" sz="2000" b="1" dirty="0" err="1">
-                <a:latin typeface="Consolas" panose="020B0609020204030204" pitchFamily="49" charset="0"/>
-              </a:rPr>
-              <a:t>methodRejections.map</a:t>
-            </a:r>
-            <a:r>
-              <a:rPr lang="en-US" sz="2000" b="1" dirty="0">
-                <a:latin typeface="Consolas" panose="020B0609020204030204" pitchFamily="49" charset="0"/>
-              </a:rPr>
-              <a:t>(_.supported.name)</a:t>
+              <a:t>handleNotFound</a:t>
+            </a:r>
+            <a:r>
+              <a:rPr lang="en-US" sz="2000" b="1" dirty="0">
+                <a:latin typeface="Consolas" panose="020B0609020204030204" pitchFamily="49" charset="0"/>
+              </a:rPr>
+              <a:t> {</a:t>
             </a:r>
           </a:p>
           <a:p>
@@ -7014,123 +7151,10 @@
               <a:t>      complete((</a:t>
             </a:r>
             <a:r>
-              <a:rPr lang="en-US" sz="2000" b="1" dirty="0" err="1">
-                <a:latin typeface="Consolas" panose="020B0609020204030204" pitchFamily="49" charset="0"/>
-              </a:rPr>
-              <a:t>MethodNotAllowed</a:t>
-            </a:r>
-            <a:r>
-              <a:rPr lang="en-US" sz="2000" b="1" dirty="0">
-                <a:latin typeface="Consolas" panose="020B0609020204030204" pitchFamily="49" charset="0"/>
-              </a:rPr>
-              <a:t>, </a:t>
-            </a:r>
-          </a:p>
-          <a:p>
-            <a:r>
-              <a:rPr lang="en-US" sz="2000" b="1" dirty="0">
-                <a:latin typeface="Consolas" panose="020B0609020204030204" pitchFamily="49" charset="0"/>
-              </a:rPr>
-              <a:t>         </a:t>
-            </a:r>
-            <a:r>
-              <a:rPr lang="en-US" sz="2000" b="1" dirty="0" err="1">
-                <a:solidFill>
-                  <a:srgbClr val="00B050"/>
-                </a:solidFill>
-                <a:latin typeface="Consolas" panose="020B0609020204030204" pitchFamily="49" charset="0"/>
-              </a:rPr>
-              <a:t>s"Can't</a:t>
-            </a:r>
-            <a:r>
-              <a:rPr lang="en-US" sz="2000" b="1" dirty="0">
-                <a:solidFill>
-                  <a:srgbClr val="00B050"/>
-                </a:solidFill>
-                <a:latin typeface="Consolas" panose="020B0609020204030204" pitchFamily="49" charset="0"/>
-              </a:rPr>
-              <a:t> do that! Supported: </a:t>
-            </a:r>
-            <a:r>
-              <a:rPr lang="en-US" sz="2000" b="1" dirty="0">
-                <a:solidFill>
-                  <a:srgbClr val="EEB500"/>
-                </a:solidFill>
-                <a:latin typeface="Consolas" panose="020B0609020204030204" pitchFamily="49" charset="0"/>
-              </a:rPr>
-              <a:t>${names </a:t>
-            </a:r>
-            <a:r>
-              <a:rPr lang="en-US" sz="2000" b="1" dirty="0" err="1">
-                <a:solidFill>
-                  <a:srgbClr val="EEB500"/>
-                </a:solidFill>
-                <a:latin typeface="Consolas" panose="020B0609020204030204" pitchFamily="49" charset="0"/>
-              </a:rPr>
-              <a:t>mkString</a:t>
-            </a:r>
-            <a:r>
-              <a:rPr lang="en-US" sz="2000" b="1" dirty="0">
-                <a:solidFill>
-                  <a:srgbClr val="EEB500"/>
-                </a:solidFill>
-                <a:latin typeface="Consolas" panose="020B0609020204030204" pitchFamily="49" charset="0"/>
-              </a:rPr>
-              <a:t> " or "}</a:t>
-            </a:r>
-            <a:r>
-              <a:rPr lang="en-US" sz="2000" b="1" dirty="0">
-                <a:solidFill>
-                  <a:srgbClr val="00B050"/>
-                </a:solidFill>
-                <a:latin typeface="Consolas" panose="020B0609020204030204" pitchFamily="49" charset="0"/>
-              </a:rPr>
-              <a:t>!"</a:t>
-            </a:r>
-            <a:r>
-              <a:rPr lang="en-US" sz="2000" b="1" dirty="0">
-                <a:latin typeface="Consolas" panose="020B0609020204030204" pitchFamily="49" charset="0"/>
-              </a:rPr>
-              <a:t>))</a:t>
-            </a:r>
-          </a:p>
-          <a:p>
-            <a:r>
-              <a:rPr lang="en-US" sz="2000" b="1" dirty="0">
-                <a:latin typeface="Consolas" panose="020B0609020204030204" pitchFamily="49" charset="0"/>
-              </a:rPr>
-              <a:t>    }</a:t>
-            </a:r>
-          </a:p>
-          <a:p>
-            <a:r>
-              <a:rPr lang="en-US" sz="2000" b="1" dirty="0">
-                <a:latin typeface="Consolas" panose="020B0609020204030204" pitchFamily="49" charset="0"/>
-              </a:rPr>
-              <a:t>    .</a:t>
-            </a:r>
-            <a:r>
-              <a:rPr lang="en-US" sz="2000" b="1" dirty="0" err="1">
-                <a:latin typeface="Consolas" panose="020B0609020204030204" pitchFamily="49" charset="0"/>
-              </a:rPr>
-              <a:t>handleNotFound</a:t>
-            </a:r>
-            <a:r>
-              <a:rPr lang="en-US" sz="2000" b="1" dirty="0">
-                <a:latin typeface="Consolas" panose="020B0609020204030204" pitchFamily="49" charset="0"/>
-              </a:rPr>
-              <a:t> {</a:t>
-            </a:r>
-          </a:p>
-          <a:p>
-            <a:r>
-              <a:rPr lang="en-US" sz="2000" b="1" dirty="0">
-                <a:latin typeface="Consolas" panose="020B0609020204030204" pitchFamily="49" charset="0"/>
-              </a:rPr>
-              <a:t>      complete((</a:t>
-            </a:r>
-            <a:r>
-              <a:rPr lang="en-US" sz="2000" b="1" dirty="0" err="1">
+              <a:rPr lang="en-US" sz="2000" b="1" i="1" dirty="0" err="1">
+                <a:solidFill>
+                  <a:srgbClr val="7030A0"/>
+                </a:solidFill>
                 <a:latin typeface="Consolas" panose="020B0609020204030204" pitchFamily="49" charset="0"/>
               </a:rPr>
               <a:t>NotFound</a:t>
@@ -7291,7 +7315,7 @@
               <a:rPr lang="en-US" sz="2000" b="1" dirty="0" err="1">
                 <a:latin typeface="Consolas" panose="020B0609020204030204" pitchFamily="49" charset="0"/>
               </a:rPr>
-              <a:t>MyReject</a:t>
+              <a:t>MyRejection</a:t>
             </a:r>
             <a:r>
               <a:rPr lang="en-US" sz="2000" b="1" dirty="0">
@@ -7468,7 +7492,7 @@
               <a:rPr lang="en-US" sz="2000" b="1" dirty="0" err="1">
                 <a:latin typeface="Consolas" panose="020B0609020204030204" pitchFamily="49" charset="0"/>
               </a:rPr>
-              <a:t>MyReject</a:t>
+              <a:t>MyRejection</a:t>
             </a:r>
             <a:r>
               <a:rPr lang="en-US" sz="2000" b="1" dirty="0">
@@ -7574,8 +7598,8 @@
         </p:nvSpPr>
         <p:spPr>
           <a:xfrm>
-            <a:off x="476434" y="843677"/>
-            <a:ext cx="11239131" cy="5201424"/>
+            <a:off x="1009834" y="320456"/>
+            <a:ext cx="9724841" cy="6217087"/>
           </a:xfrm>
           <a:prstGeom prst="rect">
             <a:avLst/>
@@ -7822,6 +7846,76 @@
               <a:rPr lang="en-US" sz="2200" b="1" dirty="0">
                 <a:latin typeface="Consolas" panose="020B0609020204030204" pitchFamily="49" charset="0"/>
               </a:rPr>
+              <a:t> my: </a:t>
+            </a:r>
+            <a:r>
+              <a:rPr lang="en-US" sz="2200" b="1" dirty="0" err="1">
+                <a:latin typeface="Consolas" panose="020B0609020204030204" pitchFamily="49" charset="0"/>
+              </a:rPr>
+              <a:t>MyException</a:t>
+            </a:r>
+            <a:r>
+              <a:rPr lang="en-US" sz="2200" b="1" dirty="0">
+                <a:latin typeface="Consolas" panose="020B0609020204030204" pitchFamily="49" charset="0"/>
+              </a:rPr>
+              <a:t> =&gt; </a:t>
+            </a:r>
+          </a:p>
+          <a:p>
+            <a:r>
+              <a:rPr lang="en-US" sz="2200" b="1" dirty="0">
+                <a:latin typeface="Consolas" panose="020B0609020204030204" pitchFamily="49" charset="0"/>
+              </a:rPr>
+              <a:t>        complete((</a:t>
+            </a:r>
+            <a:r>
+              <a:rPr lang="en-US" sz="2200" b="1" i="1" dirty="0" err="1">
+                <a:solidFill>
+                  <a:srgbClr val="7030A0"/>
+                </a:solidFill>
+                <a:latin typeface="Consolas" panose="020B0609020204030204" pitchFamily="49" charset="0"/>
+              </a:rPr>
+              <a:t>InternalServerError</a:t>
+            </a:r>
+            <a:r>
+              <a:rPr lang="en-US" sz="2200" b="1" dirty="0">
+                <a:latin typeface="Consolas" panose="020B0609020204030204" pitchFamily="49" charset="0"/>
+              </a:rPr>
+              <a:t>, </a:t>
+            </a:r>
+            <a:r>
+              <a:rPr lang="en-US" sz="2200" b="1" dirty="0" err="1">
+                <a:latin typeface="Consolas" panose="020B0609020204030204" pitchFamily="49" charset="0"/>
+              </a:rPr>
+              <a:t>my.getMessage</a:t>
+            </a:r>
+            <a:r>
+              <a:rPr lang="en-US" sz="2200" b="1" dirty="0">
+                <a:latin typeface="Consolas" panose="020B0609020204030204" pitchFamily="49" charset="0"/>
+              </a:rPr>
+              <a:t>))</a:t>
+            </a:r>
+          </a:p>
+          <a:p>
+            <a:r>
+              <a:rPr lang="en-US" sz="2200" b="1" dirty="0">
+                <a:latin typeface="Consolas" panose="020B0609020204030204" pitchFamily="49" charset="0"/>
+              </a:rPr>
+              <a:t>    </a:t>
+            </a:r>
+            <a:r>
+              <a:rPr lang="en-US" sz="2200" b="1" dirty="0">
+                <a:solidFill>
+                  <a:srgbClr val="EEB500"/>
+                </a:solidFill>
+                <a:latin typeface="Consolas" panose="020B0609020204030204" pitchFamily="49" charset="0"/>
+              </a:rPr>
+              <a:t>case</a:t>
+            </a:r>
+            <a:r>
+              <a:rPr lang="en-US" sz="2200" b="1" dirty="0">
+                <a:latin typeface="Consolas" panose="020B0609020204030204" pitchFamily="49" charset="0"/>
+              </a:rPr>
               <a:t> t: Throwable =&gt; </a:t>
             </a:r>
           </a:p>
@@ -7830,39 +7924,22 @@
               <a:rPr lang="en-US" sz="2200" b="1" dirty="0">
                 <a:latin typeface="Consolas" panose="020B0609020204030204" pitchFamily="49" charset="0"/>
               </a:rPr>
-              <a:t>        complete(</a:t>
-            </a:r>
-            <a:r>
-              <a:rPr lang="en-US" sz="2200" b="1" dirty="0" err="1">
-                <a:latin typeface="Consolas" panose="020B0609020204030204" pitchFamily="49" charset="0"/>
-              </a:rPr>
-              <a:t>HttpResponse</a:t>
+              <a:t>        complete((</a:t>
+            </a:r>
+            <a:r>
+              <a:rPr lang="en-US" sz="2200" b="1" i="1" dirty="0" err="1">
+                <a:solidFill>
+                  <a:srgbClr val="7030A0"/>
+                </a:solidFill>
+                <a:latin typeface="Consolas" panose="020B0609020204030204" pitchFamily="49" charset="0"/>
+              </a:rPr>
+              <a:t>InternalServerError</a:t>
             </a:r>
             <a:r>
               <a:rPr lang="en-US" sz="2200" b="1" dirty="0">
                 <a:latin typeface="Consolas" panose="020B0609020204030204" pitchFamily="49" charset="0"/>
               </a:rPr>
-              <a:t>(</a:t>
-            </a:r>
-            <a:r>
-              <a:rPr lang="en-US" sz="2200" b="1" dirty="0" err="1">
-                <a:latin typeface="Consolas" panose="020B0609020204030204" pitchFamily="49" charset="0"/>
-              </a:rPr>
-              <a:t>InternalServerError</a:t>
-            </a:r>
-            <a:r>
-              <a:rPr lang="en-US" sz="2200" b="1" dirty="0">
-                <a:latin typeface="Consolas" panose="020B0609020204030204" pitchFamily="49" charset="0"/>
-              </a:rPr>
               <a:t>, </a:t>
-            </a:r>
-          </a:p>
-          <a:p>
-            <a:r>
-              <a:rPr lang="en-US" sz="2200" b="1" dirty="0">
-                <a:latin typeface="Consolas" panose="020B0609020204030204" pitchFamily="49" charset="0"/>
-              </a:rPr>
-              <a:t>            entity = </a:t>
             </a:r>
             <a:r>
               <a:rPr lang="en-US" sz="2200" b="1" dirty="0" err="1">
@@ -7956,18 +8033,61 @@
               <a:rPr lang="en-US" sz="2200" b="1" dirty="0">
                 <a:latin typeface="Consolas" panose="020B0609020204030204" pitchFamily="49" charset="0"/>
               </a:rPr>
-              <a:t>   </a:t>
+              <a:t>  post {</a:t>
+            </a:r>
+          </a:p>
+          <a:p>
+            <a:r>
+              <a:rPr lang="en-US" sz="2200" b="1" dirty="0">
+                <a:latin typeface="Consolas" panose="020B0609020204030204" pitchFamily="49" charset="0"/>
+              </a:rPr>
+              <a:t>    path(</a:t>
+            </a:r>
+            <a:r>
+              <a:rPr lang="en-US" sz="2200" b="1" dirty="0">
+                <a:solidFill>
+                  <a:srgbClr val="00B050"/>
+                </a:solidFill>
+                <a:latin typeface="Consolas" panose="020B0609020204030204" pitchFamily="49" charset="0"/>
+              </a:rPr>
+              <a:t>“failed"</a:t>
+            </a:r>
+            <a:r>
+              <a:rPr lang="en-US" sz="2200" b="1" dirty="0">
+                <a:latin typeface="Consolas" panose="020B0609020204030204" pitchFamily="49" charset="0"/>
+              </a:rPr>
+              <a:t>) {</a:t>
+            </a:r>
+          </a:p>
+          <a:p>
+            <a:r>
+              <a:rPr lang="en-US" sz="2200" b="1" dirty="0">
+                <a:latin typeface="Consolas" panose="020B0609020204030204" pitchFamily="49" charset="0"/>
+              </a:rPr>
+              <a:t>      </a:t>
             </a:r>
             <a:r>
               <a:rPr lang="en-US" sz="2200" b="1" dirty="0" err="1">
                 <a:latin typeface="Consolas" panose="020B0609020204030204" pitchFamily="49" charset="0"/>
               </a:rPr>
-              <a:t>respondWithHeaders</a:t>
+              <a:t>failWith</a:t>
             </a:r>
             <a:r>
               <a:rPr lang="en-US" sz="2200" b="1" dirty="0">
                 <a:latin typeface="Consolas" panose="020B0609020204030204" pitchFamily="49" charset="0"/>
               </a:rPr>
+              <a:t>(new </a:t>
+            </a:r>
+            <a:r>
+              <a:rPr lang="en-US" sz="2200" b="1" dirty="0" err="1">
+                <a:latin typeface="Consolas" panose="020B0609020204030204" pitchFamily="49" charset="0"/>
+              </a:rPr>
+              <a:t>MyException</a:t>
+            </a:r>
+            <a:r>
+              <a:rPr lang="en-US" sz="2200" b="1" dirty="0">
+                <a:latin typeface="Consolas" panose="020B0609020204030204" pitchFamily="49" charset="0"/>
+              </a:rPr>
               <a:t>(</a:t>
             </a:r>
             <a:r>
@@ -7977,13 +8097,13 @@
                 </a:solidFill>
                 <a:latin typeface="Consolas" panose="020B0609020204030204" pitchFamily="49" charset="0"/>
               </a:rPr>
-              <a:t>`Access-Control-Allow-Origin`.*</a:t>
+              <a:t>“Always failed!”</a:t>
             </a:r>
             <a:r>
               <a:rPr lang="en-US" sz="2200" b="1" dirty="0">
                 <a:latin typeface="Consolas" panose="020B0609020204030204" pitchFamily="49" charset="0"/>
               </a:rPr>
-              <a:t>) {</a:t>
+              <a:t>))</a:t>
             </a:r>
           </a:p>
           <a:p>
@@ -7991,39 +8111,15 @@
               <a:rPr lang="en-US" sz="2200" b="1" dirty="0">
                 <a:latin typeface="Consolas" panose="020B0609020204030204" pitchFamily="49" charset="0"/>
               </a:rPr>
-              <a:t>      </a:t>
-            </a:r>
-            <a:r>
-              <a:rPr lang="en-US" sz="2200" b="1" dirty="0" err="1">
-                <a:solidFill>
-                  <a:srgbClr val="7030A0"/>
-                </a:solidFill>
-                <a:latin typeface="Consolas" panose="020B0609020204030204" pitchFamily="49" charset="0"/>
-              </a:rPr>
-              <a:t>preFlight</a:t>
-            </a:r>
+              <a:t>    }</a:t>
+            </a:r>
+          </a:p>
+          <a:p>
             <a:r>
               <a:rPr lang="en-US" sz="2200" b="1" dirty="0">
                 <a:latin typeface="Consolas" panose="020B0609020204030204" pitchFamily="49" charset="0"/>
               </a:rPr>
-              <a:t> ~ </a:t>
-            </a:r>
-            <a:r>
-              <a:rPr lang="en-US" sz="2200" b="1" dirty="0">
-                <a:solidFill>
-                  <a:srgbClr val="7030A0"/>
-                </a:solidFill>
-                <a:latin typeface="Consolas" panose="020B0609020204030204" pitchFamily="49" charset="0"/>
-              </a:rPr>
-              <a:t>handler</a:t>
-            </a:r>
-          </a:p>
-          <a:p>
-            <a:r>
-              <a:rPr lang="en-US" sz="2200" b="1" dirty="0">
-                <a:latin typeface="Consolas" panose="020B0609020204030204" pitchFamily="49" charset="0"/>
-              </a:rPr>
-              <a:t>   }</a:t>
+              <a:t>  }</a:t>
             </a:r>
           </a:p>
           <a:p>
@@ -8288,8 +8384,8 @@
         </p:nvSpPr>
         <p:spPr>
           <a:xfrm>
-            <a:off x="1560990" y="650865"/>
-            <a:ext cx="9070020" cy="5447645"/>
+            <a:off x="1560990" y="351234"/>
+            <a:ext cx="9070020" cy="6155531"/>
           </a:xfrm>
           <a:prstGeom prst="rect">
             <a:avLst/>
@@ -8302,13 +8398,13 @@
           <a:lstStyle/>
           <a:p>
             <a:r>
-              <a:rPr lang="en-US" sz="2000" b="1" dirty="0">
+              <a:rPr lang="en-US" b="1" dirty="0">
                 <a:latin typeface="Consolas" panose="020B0609020204030204" pitchFamily="49" charset="0"/>
               </a:rPr>
               <a:t>path("person" / </a:t>
             </a:r>
             <a:r>
-              <a:rPr lang="en-US" sz="2000" b="1" dirty="0" err="1">
+              <a:rPr lang="en-US" b="1" dirty="0" err="1">
                 <a:solidFill>
                   <a:srgbClr val="00B050"/>
                 </a:solidFill>
@@ -8317,13 +8413,13 @@
               <a:t>IntNumber</a:t>
             </a:r>
             <a:r>
-              <a:rPr lang="en-US" sz="2000" b="1" dirty="0">
+              <a:rPr lang="en-US" b="1" dirty="0">
                 <a:latin typeface="Consolas" panose="020B0609020204030204" pitchFamily="49" charset="0"/>
               </a:rPr>
               <a:t>) { </a:t>
             </a:r>
             <a:r>
-              <a:rPr lang="en-US" sz="2000" b="1" dirty="0">
+              <a:rPr lang="en-US" b="1" dirty="0">
                 <a:solidFill>
                   <a:srgbClr val="00B050"/>
                 </a:solidFill>
@@ -8332,7 +8428,7 @@
               <a:t>id</a:t>
             </a:r>
             <a:r>
-              <a:rPr lang="en-US" sz="2000" b="1" dirty="0">
+              <a:rPr lang="en-US" b="1" dirty="0">
                 <a:latin typeface="Consolas" panose="020B0609020204030204" pitchFamily="49" charset="0"/>
               </a:rPr>
               <a:t> =&gt;</a:t>
@@ -8340,13 +8436,13 @@
           </a:p>
           <a:p>
             <a:r>
-              <a:rPr lang="en-US" sz="2000" b="1" dirty="0">
+              <a:rPr lang="en-US" b="1" dirty="0">
                 <a:latin typeface="Consolas" panose="020B0609020204030204" pitchFamily="49" charset="0"/>
               </a:rPr>
               <a:t>	</a:t>
             </a:r>
             <a:r>
-              <a:rPr lang="en-US" sz="2000" b="1" dirty="0">
+              <a:rPr lang="en-US" b="1" dirty="0">
                 <a:solidFill>
                   <a:schemeClr val="bg1">
                     <a:lumMod val="65000"/>
@@ -8359,26 +8455,26 @@
           </a:p>
           <a:p>
             <a:r>
-              <a:rPr lang="en-US" sz="2000" b="1" dirty="0">
+              <a:rPr lang="en-US" b="1" dirty="0">
                 <a:latin typeface="Consolas" panose="020B0609020204030204" pitchFamily="49" charset="0"/>
               </a:rPr>
               <a:t>}</a:t>
             </a:r>
           </a:p>
           <a:p>
-            <a:endParaRPr lang="en-US" sz="1200" b="1" dirty="0">
+            <a:endParaRPr lang="en-US" sz="1000" b="1" dirty="0">
               <a:latin typeface="Consolas" panose="020B0609020204030204" pitchFamily="49" charset="0"/>
             </a:endParaRPr>
           </a:p>
           <a:p>
             <a:r>
-              <a:rPr lang="en-US" sz="2000" b="1" dirty="0">
+              <a:rPr lang="en-US" b="1" dirty="0">
                 <a:latin typeface="Consolas" panose="020B0609020204030204" pitchFamily="49" charset="0"/>
               </a:rPr>
               <a:t>parameters(</a:t>
             </a:r>
             <a:r>
-              <a:rPr lang="en-US" sz="2000" b="1" dirty="0">
+              <a:rPr lang="en-US" b="1" dirty="0">
                 <a:solidFill>
                   <a:srgbClr val="00B050"/>
                 </a:solidFill>
@@ -8387,13 +8483,13 @@
               <a:t>'id.as[Int]</a:t>
             </a:r>
             <a:r>
-              <a:rPr lang="en-US" sz="2000" b="1" dirty="0">
+              <a:rPr lang="en-US" b="1" dirty="0">
                 <a:latin typeface="Consolas" panose="020B0609020204030204" pitchFamily="49" charset="0"/>
               </a:rPr>
               <a:t>, </a:t>
             </a:r>
             <a:r>
-              <a:rPr lang="en-US" sz="2000" b="1" dirty="0">
+              <a:rPr lang="en-US" b="1" dirty="0">
                 <a:solidFill>
                   <a:srgbClr val="00B050"/>
                 </a:solidFill>
@@ -8402,13 +8498,13 @@
               <a:t>'name.?</a:t>
             </a:r>
             <a:r>
-              <a:rPr lang="en-US" sz="2000" b="1" dirty="0">
+              <a:rPr lang="en-US" b="1" dirty="0">
                 <a:latin typeface="Consolas" panose="020B0609020204030204" pitchFamily="49" charset="0"/>
               </a:rPr>
               <a:t>) { (</a:t>
             </a:r>
             <a:r>
-              <a:rPr lang="en-US" sz="2000" b="1" dirty="0">
+              <a:rPr lang="en-US" b="1" dirty="0">
                 <a:solidFill>
                   <a:srgbClr val="00B050"/>
                 </a:solidFill>
@@ -8417,13 +8513,13 @@
               <a:t>id</a:t>
             </a:r>
             <a:r>
-              <a:rPr lang="en-US" sz="2000" b="1" dirty="0">
+              <a:rPr lang="en-US" b="1" dirty="0">
                 <a:latin typeface="Consolas" panose="020B0609020204030204" pitchFamily="49" charset="0"/>
               </a:rPr>
               <a:t>, </a:t>
             </a:r>
             <a:r>
-              <a:rPr lang="en-US" sz="2000" b="1" dirty="0">
+              <a:rPr lang="en-US" b="1" dirty="0">
                 <a:solidFill>
                   <a:srgbClr val="00B050"/>
                 </a:solidFill>
@@ -8432,7 +8528,7 @@
               <a:t>name</a:t>
             </a:r>
             <a:r>
-              <a:rPr lang="en-US" sz="2000" b="1" dirty="0">
+              <a:rPr lang="en-US" b="1" dirty="0">
                 <a:latin typeface="Consolas" panose="020B0609020204030204" pitchFamily="49" charset="0"/>
               </a:rPr>
               <a:t>) =&gt;</a:t>
@@ -8440,13 +8536,13 @@
           </a:p>
           <a:p>
             <a:r>
-              <a:rPr lang="en-US" sz="2000" b="1" dirty="0">
+              <a:rPr lang="en-US" b="1" dirty="0">
                 <a:latin typeface="Consolas" panose="020B0609020204030204" pitchFamily="49" charset="0"/>
               </a:rPr>
               <a:t>	</a:t>
             </a:r>
             <a:r>
-              <a:rPr lang="en-US" sz="2000" b="1" dirty="0">
+              <a:rPr lang="en-US" b="1" dirty="0">
                 <a:solidFill>
                   <a:schemeClr val="bg1">
                     <a:lumMod val="65000"/>
@@ -8459,26 +8555,26 @@
           </a:p>
           <a:p>
             <a:r>
-              <a:rPr lang="en-US" sz="2000" b="1" dirty="0">
+              <a:rPr lang="en-US" b="1" dirty="0">
                 <a:latin typeface="Consolas" panose="020B0609020204030204" pitchFamily="49" charset="0"/>
               </a:rPr>
               <a:t>}</a:t>
             </a:r>
           </a:p>
           <a:p>
-            <a:endParaRPr lang="en-US" sz="1200" b="1" dirty="0">
+            <a:endParaRPr lang="en-US" sz="1000" b="1" dirty="0">
               <a:latin typeface="Consolas" panose="020B0609020204030204" pitchFamily="49" charset="0"/>
             </a:endParaRPr>
           </a:p>
           <a:p>
             <a:r>
-              <a:rPr lang="en-US" sz="2000" b="1" dirty="0">
+              <a:rPr lang="en-US" b="1" dirty="0">
                 <a:latin typeface="Consolas" panose="020B0609020204030204" pitchFamily="49" charset="0"/>
               </a:rPr>
               <a:t>entity(as[</a:t>
             </a:r>
             <a:r>
-              <a:rPr lang="en-US" sz="2000" b="1" dirty="0">
+              <a:rPr lang="en-US" b="1" dirty="0">
                 <a:solidFill>
                   <a:srgbClr val="00B050"/>
                 </a:solidFill>
@@ -8487,13 +8583,13 @@
               <a:t>Person</a:t>
             </a:r>
             <a:r>
-              <a:rPr lang="en-US" sz="2000" b="1" dirty="0">
+              <a:rPr lang="en-US" b="1" dirty="0">
                 <a:latin typeface="Consolas" panose="020B0609020204030204" pitchFamily="49" charset="0"/>
               </a:rPr>
               <a:t>]) { </a:t>
             </a:r>
             <a:r>
-              <a:rPr lang="en-US" sz="2000" b="1" dirty="0">
+              <a:rPr lang="en-US" b="1" dirty="0">
                 <a:solidFill>
                   <a:srgbClr val="00B050"/>
                 </a:solidFill>
@@ -8502,7 +8598,7 @@
               <a:t>person</a:t>
             </a:r>
             <a:r>
-              <a:rPr lang="en-US" sz="2000" b="1" dirty="0">
+              <a:rPr lang="en-US" b="1" dirty="0">
                 <a:latin typeface="Consolas" panose="020B0609020204030204" pitchFamily="49" charset="0"/>
               </a:rPr>
               <a:t> =&gt;</a:t>
@@ -8510,13 +8606,13 @@
           </a:p>
           <a:p>
             <a:r>
-              <a:rPr lang="en-US" sz="2000" b="1" dirty="0">
+              <a:rPr lang="en-US" b="1" dirty="0">
                 <a:latin typeface="Consolas" panose="020B0609020204030204" pitchFamily="49" charset="0"/>
               </a:rPr>
               <a:t>	</a:t>
             </a:r>
             <a:r>
-              <a:rPr lang="en-US" sz="2000" b="1" dirty="0">
+              <a:rPr lang="en-US" b="1" dirty="0">
                 <a:solidFill>
                   <a:schemeClr val="bg1">
                     <a:lumMod val="65000"/>
@@ -8529,32 +8625,32 @@
           </a:p>
           <a:p>
             <a:r>
-              <a:rPr lang="en-US" sz="2000" b="1" dirty="0">
+              <a:rPr lang="en-US" b="1" dirty="0">
                 <a:latin typeface="Consolas" panose="020B0609020204030204" pitchFamily="49" charset="0"/>
               </a:rPr>
               <a:t>}</a:t>
             </a:r>
           </a:p>
           <a:p>
-            <a:endParaRPr lang="en-US" sz="1200" b="1" dirty="0">
+            <a:endParaRPr lang="en-US" sz="1000" b="1" dirty="0">
               <a:latin typeface="Consolas" panose="020B0609020204030204" pitchFamily="49" charset="0"/>
             </a:endParaRPr>
           </a:p>
           <a:p>
             <a:r>
-              <a:rPr lang="en-US" sz="2000" b="1" dirty="0" err="1">
+              <a:rPr lang="en-US" b="1" dirty="0" err="1">
                 <a:latin typeface="Consolas" panose="020B0609020204030204" pitchFamily="49" charset="0"/>
               </a:rPr>
               <a:t>formFields</a:t>
             </a:r>
             <a:r>
-              <a:rPr lang="en-US" sz="2000" b="1" dirty="0">
+              <a:rPr lang="en-US" b="1" dirty="0">
                 <a:latin typeface="Consolas" panose="020B0609020204030204" pitchFamily="49" charset="0"/>
               </a:rPr>
               <a:t>(</a:t>
             </a:r>
             <a:r>
-              <a:rPr lang="en-US" sz="2000" b="1" dirty="0">
+              <a:rPr lang="en-US" b="1" dirty="0">
                 <a:solidFill>
                   <a:srgbClr val="00B050"/>
                 </a:solidFill>
@@ -8563,7 +8659,7 @@
               <a:t>'</a:t>
             </a:r>
             <a:r>
-              <a:rPr lang="en-US" sz="2000" b="1" dirty="0" err="1">
+              <a:rPr lang="en-US" b="1" dirty="0" err="1">
                 <a:solidFill>
                   <a:srgbClr val="00B050"/>
                 </a:solidFill>
@@ -8572,7 +8668,7 @@
               <a:t>client_id</a:t>
             </a:r>
             <a:r>
-              <a:rPr lang="en-US" sz="2000" b="1" dirty="0">
+              <a:rPr lang="en-US" b="1" dirty="0">
                 <a:solidFill>
                   <a:srgbClr val="00B050"/>
                 </a:solidFill>
@@ -8581,13 +8677,13 @@
               <a:t>, 'code</a:t>
             </a:r>
             <a:r>
-              <a:rPr lang="en-US" sz="2000" b="1" dirty="0">
+              <a:rPr lang="en-US" b="1" dirty="0">
                 <a:latin typeface="Consolas" panose="020B0609020204030204" pitchFamily="49" charset="0"/>
               </a:rPr>
               <a:t>) { (</a:t>
             </a:r>
             <a:r>
-              <a:rPr lang="en-US" sz="2000" b="1" dirty="0" err="1">
+              <a:rPr lang="en-US" b="1" dirty="0" err="1">
                 <a:solidFill>
                   <a:srgbClr val="00B050"/>
                 </a:solidFill>
@@ -8596,13 +8692,13 @@
               <a:t>clientId</a:t>
             </a:r>
             <a:r>
-              <a:rPr lang="en-US" sz="2000" b="1" dirty="0">
+              <a:rPr lang="en-US" b="1" dirty="0">
                 <a:latin typeface="Consolas" panose="020B0609020204030204" pitchFamily="49" charset="0"/>
               </a:rPr>
               <a:t>, </a:t>
             </a:r>
             <a:r>
-              <a:rPr lang="en-US" sz="2000" b="1" dirty="0">
+              <a:rPr lang="en-US" b="1" dirty="0">
                 <a:solidFill>
                   <a:srgbClr val="00B050"/>
                 </a:solidFill>
@@ -8611,7 +8707,7 @@
               <a:t>code</a:t>
             </a:r>
             <a:r>
-              <a:rPr lang="en-US" sz="2000" b="1" dirty="0">
+              <a:rPr lang="en-US" b="1" dirty="0">
                 <a:latin typeface="Consolas" panose="020B0609020204030204" pitchFamily="49" charset="0"/>
               </a:rPr>
               <a:t>) =&gt;</a:t>
@@ -8619,13 +8715,13 @@
           </a:p>
           <a:p>
             <a:r>
-              <a:rPr lang="en-US" sz="2000" b="1" dirty="0">
+              <a:rPr lang="en-US" b="1" dirty="0">
                 <a:latin typeface="Consolas" panose="020B0609020204030204" pitchFamily="49" charset="0"/>
               </a:rPr>
               <a:t>	</a:t>
             </a:r>
             <a:r>
-              <a:rPr lang="en-US" sz="2000" b="1" dirty="0">
+              <a:rPr lang="en-US" b="1" dirty="0">
                 <a:solidFill>
                   <a:schemeClr val="bg1">
                     <a:lumMod val="65000"/>
@@ -8636,7 +8732,7 @@
               <a:t>// body parameters application/x-www-form-</a:t>
             </a:r>
             <a:r>
-              <a:rPr lang="en-US" sz="2000" b="1" dirty="0" err="1">
+              <a:rPr lang="en-US" b="1" dirty="0" err="1">
                 <a:solidFill>
                   <a:schemeClr val="bg1">
                     <a:lumMod val="65000"/>
@@ -8646,7 +8742,7 @@
               </a:rPr>
               <a:t>urlencoded</a:t>
             </a:r>
-            <a:endParaRPr lang="en-US" sz="2000" b="1" dirty="0">
+            <a:endParaRPr lang="en-US" b="1" dirty="0">
               <a:solidFill>
                 <a:schemeClr val="bg1">
                   <a:lumMod val="65000"/>
@@ -8657,34 +8753,55 @@
           </a:p>
           <a:p>
             <a:r>
-              <a:rPr lang="en-US" sz="2000" b="1" dirty="0">
+              <a:rPr lang="en-US" b="1" dirty="0">
                 <a:latin typeface="Consolas" panose="020B0609020204030204" pitchFamily="49" charset="0"/>
               </a:rPr>
               <a:t>}</a:t>
             </a:r>
           </a:p>
           <a:p>
-            <a:endParaRPr lang="en-US" sz="1200" b="1" dirty="0">
+            <a:endParaRPr lang="en-US" sz="1000" b="1" dirty="0">
               <a:latin typeface="Consolas" panose="020B0609020204030204" pitchFamily="49" charset="0"/>
             </a:endParaRPr>
           </a:p>
           <a:p>
             <a:r>
-              <a:rPr lang="en-US" sz="2000" b="1" dirty="0">
-                <a:latin typeface="Consolas" panose="020B0609020204030204" pitchFamily="49" charset="0"/>
-              </a:rPr>
-              <a:t>get {</a:t>
-            </a:r>
-          </a:p>
-          <a:p>
-            <a:r>
-              <a:rPr lang="en-US" sz="2000" b="1" dirty="0">
+              <a:rPr lang="en-US" b="1" dirty="0" err="1">
+                <a:latin typeface="Consolas" panose="020B0609020204030204" pitchFamily="49" charset="0"/>
+              </a:rPr>
+              <a:t>extractRequest</a:t>
+            </a:r>
+            <a:r>
+              <a:rPr lang="en-US" b="1" dirty="0">
+                <a:latin typeface="Consolas" panose="020B0609020204030204" pitchFamily="49" charset="0"/>
+              </a:rPr>
+              <a:t> { </a:t>
+            </a:r>
+            <a:r>
+              <a:rPr lang="en-US" b="1" dirty="0">
+                <a:solidFill>
+                  <a:srgbClr val="00B050"/>
+                </a:solidFill>
+                <a:latin typeface="Consolas" panose="020B0609020204030204" pitchFamily="49" charset="0"/>
+              </a:rPr>
+              <a:t>request</a:t>
+            </a:r>
+            <a:r>
+              <a:rPr lang="en-US" b="1" dirty="0">
+                <a:latin typeface="Consolas" panose="020B0609020204030204" pitchFamily="49" charset="0"/>
+              </a:rPr>
+              <a:t> =&gt;</a:t>
+            </a:r>
+          </a:p>
+          <a:p>
+            <a:r>
+              <a:rPr lang="en-US" b="1" dirty="0">
                 <a:latin typeface="Consolas" panose="020B0609020204030204" pitchFamily="49" charset="0"/>
               </a:rPr>
               <a:t>	</a:t>
             </a:r>
             <a:r>
-              <a:rPr lang="en-US" sz="2000" b="1" dirty="0">
+              <a:rPr lang="en-US" b="1" dirty="0">
                 <a:solidFill>
                   <a:schemeClr val="bg1">
                     <a:lumMod val="65000"/>
@@ -8692,16 +8809,83 @@
                 </a:solidFill>
                 <a:latin typeface="Consolas" panose="020B0609020204030204" pitchFamily="49" charset="0"/>
               </a:rPr>
+              <a:t>// extract current </a:t>
+            </a:r>
+            <a:r>
+              <a:rPr lang="en-US" b="1" dirty="0" err="1">
+                <a:solidFill>
+                  <a:schemeClr val="bg1">
+                    <a:lumMod val="65000"/>
+                  </a:schemeClr>
+                </a:solidFill>
+                <a:latin typeface="Consolas" panose="020B0609020204030204" pitchFamily="49" charset="0"/>
+              </a:rPr>
+              <a:t>HttpRequest</a:t>
+            </a:r>
+            <a:r>
+              <a:rPr lang="en-US" b="1" dirty="0">
+                <a:solidFill>
+                  <a:schemeClr val="bg1">
+                    <a:lumMod val="65000"/>
+                  </a:schemeClr>
+                </a:solidFill>
+                <a:latin typeface="Consolas" panose="020B0609020204030204" pitchFamily="49" charset="0"/>
+              </a:rPr>
+              <a:t> instance</a:t>
+            </a:r>
+          </a:p>
+          <a:p>
+            <a:r>
+              <a:rPr lang="en-US" b="1" dirty="0">
+                <a:latin typeface="Consolas" panose="020B0609020204030204" pitchFamily="49" charset="0"/>
+              </a:rPr>
+              <a:t>}</a:t>
+            </a:r>
+          </a:p>
+          <a:p>
+            <a:endParaRPr lang="en-US" sz="1000" b="1" dirty="0">
+              <a:latin typeface="Consolas" panose="020B0609020204030204" pitchFamily="49" charset="0"/>
+            </a:endParaRPr>
+          </a:p>
+          <a:p>
+            <a:r>
+              <a:rPr lang="en-US" b="1" dirty="0">
+                <a:latin typeface="Consolas" panose="020B0609020204030204" pitchFamily="49" charset="0"/>
+              </a:rPr>
+              <a:t>get {</a:t>
+            </a:r>
+          </a:p>
+          <a:p>
+            <a:r>
+              <a:rPr lang="en-US" b="1" dirty="0">
+                <a:latin typeface="Consolas" panose="020B0609020204030204" pitchFamily="49" charset="0"/>
+              </a:rPr>
+              <a:t>	</a:t>
+            </a:r>
+            <a:r>
+              <a:rPr lang="en-US" b="1" dirty="0">
+                <a:solidFill>
+                  <a:schemeClr val="bg1">
+                    <a:lumMod val="65000"/>
+                  </a:schemeClr>
+                </a:solidFill>
+                <a:latin typeface="Consolas" panose="020B0609020204030204" pitchFamily="49" charset="0"/>
+              </a:rPr>
               <a:t>// no parameters</a:t>
             </a:r>
           </a:p>
           <a:p>
             <a:r>
-              <a:rPr lang="en-US" sz="2000" b="1" dirty="0">
+              <a:rPr lang="en-US" b="1" dirty="0">
                 <a:latin typeface="Consolas" panose="020B0609020204030204" pitchFamily="49" charset="0"/>
               </a:rPr>
               <a:t>}</a:t>
             </a:r>
+          </a:p>
+          <a:p>
+            <a:endParaRPr lang="en-US" sz="2000" b="1" dirty="0">
+              <a:latin typeface="Consolas" panose="020B0609020204030204" pitchFamily="49" charset="0"/>
+            </a:endParaRPr>
           </a:p>
         </p:txBody>
       </p:sp>
@@ -10236,7 +10420,7 @@
                 <a:latin typeface="Consolas" panose="020B0609020204030204" pitchFamily="49" charset="0"/>
                 <a:hlinkClick r:id="rId2"/>
               </a:rPr>
-              <a:t>https://www.reactivemanifesto.org/</a:t>
+              <a:t>Reactive Manifesto</a:t>
             </a:r>
             <a:r>
               <a:rPr lang="en-US" sz="2800" b="1" dirty="0">
@@ -10257,7 +10441,25 @@
                 </a:solidFill>
                 <a:latin typeface="Consolas" panose="020B0609020204030204" pitchFamily="49" charset="0"/>
               </a:rPr>
-              <a:t>Responsive - fast response</a:t>
+              <a:t>Responsive </a:t>
+            </a:r>
+            <a:r>
+              <a:rPr lang="en-US" sz="2000" b="1">
+                <a:solidFill>
+                  <a:srgbClr val="00B050"/>
+                </a:solidFill>
+                <a:latin typeface="Consolas" panose="020B0609020204030204" pitchFamily="49" charset="0"/>
+              </a:rPr>
+              <a:t>- fast </a:t>
+            </a:r>
+            <a:r>
+              <a:rPr lang="en-US" sz="2000" b="1" dirty="0">
+                <a:solidFill>
+                  <a:srgbClr val="00B050"/>
+                </a:solidFill>
+                <a:latin typeface="Consolas" panose="020B0609020204030204" pitchFamily="49" charset="0"/>
+              </a:rPr>
+              <a:t>and consistent response times</a:t>
             </a:r>
           </a:p>
           <a:p>

--- a/presentation/reactive-microservice.pptx
+++ b/presentation/reactive-microservice.pptx
@@ -218,7 +218,7 @@
           <a:p>
             <a:fld id="{7DCE9784-A0F5-48D8-B982-4A1C569D41F5}" type="datetimeFigureOut">
               <a:rPr lang="en-US" smtClean="0"/>
-              <a:t>10/15/2018</a:t>
+              <a:t>10/17/2018</a:t>
             </a:fld>
             <a:endParaRPr lang="en-US"/>
           </a:p>
@@ -1230,7 +1230,7 @@
           <a:p>
             <a:fld id="{D2823C25-744F-4FC2-97CE-C2C9052CCE26}" type="datetimeFigureOut">
               <a:rPr lang="en-US" smtClean="0"/>
-              <a:t>10/15/2018</a:t>
+              <a:t>10/17/2018</a:t>
             </a:fld>
             <a:endParaRPr lang="en-US"/>
           </a:p>
@@ -1481,7 +1481,7 @@
           <a:p>
             <a:fld id="{D2823C25-744F-4FC2-97CE-C2C9052CCE26}" type="datetimeFigureOut">
               <a:rPr lang="en-US" smtClean="0"/>
-              <a:t>10/15/2018</a:t>
+              <a:t>10/17/2018</a:t>
             </a:fld>
             <a:endParaRPr lang="en-US"/>
           </a:p>
@@ -1795,7 +1795,7 @@
           <a:p>
             <a:fld id="{D2823C25-744F-4FC2-97CE-C2C9052CCE26}" type="datetimeFigureOut">
               <a:rPr lang="en-US" smtClean="0"/>
-              <a:t>10/15/2018</a:t>
+              <a:t>10/17/2018</a:t>
             </a:fld>
             <a:endParaRPr lang="en-US"/>
           </a:p>
@@ -2128,7 +2128,7 @@
           <a:p>
             <a:fld id="{D2823C25-744F-4FC2-97CE-C2C9052CCE26}" type="datetimeFigureOut">
               <a:rPr lang="en-US" smtClean="0"/>
-              <a:t>10/15/2018</a:t>
+              <a:t>10/17/2018</a:t>
             </a:fld>
             <a:endParaRPr lang="en-US"/>
           </a:p>
@@ -2442,7 +2442,7 @@
           <a:p>
             <a:fld id="{D2823C25-744F-4FC2-97CE-C2C9052CCE26}" type="datetimeFigureOut">
               <a:rPr lang="en-US" smtClean="0"/>
-              <a:t>10/15/2018</a:t>
+              <a:t>10/17/2018</a:t>
             </a:fld>
             <a:endParaRPr lang="en-US"/>
           </a:p>
@@ -2835,7 +2835,7 @@
           <a:p>
             <a:fld id="{D2823C25-744F-4FC2-97CE-C2C9052CCE26}" type="datetimeFigureOut">
               <a:rPr lang="en-US" smtClean="0"/>
-              <a:t>10/15/2018</a:t>
+              <a:t>10/17/2018</a:t>
             </a:fld>
             <a:endParaRPr lang="en-US"/>
           </a:p>
@@ -3005,7 +3005,7 @@
           <a:p>
             <a:fld id="{D2823C25-744F-4FC2-97CE-C2C9052CCE26}" type="datetimeFigureOut">
               <a:rPr lang="en-US" smtClean="0"/>
-              <a:t>10/15/2018</a:t>
+              <a:t>10/17/2018</a:t>
             </a:fld>
             <a:endParaRPr lang="en-US"/>
           </a:p>
@@ -3185,7 +3185,7 @@
           <a:p>
             <a:fld id="{D2823C25-744F-4FC2-97CE-C2C9052CCE26}" type="datetimeFigureOut">
               <a:rPr lang="en-US" smtClean="0"/>
-              <a:t>10/15/2018</a:t>
+              <a:t>10/17/2018</a:t>
             </a:fld>
             <a:endParaRPr lang="en-US"/>
           </a:p>
@@ -3355,7 +3355,7 @@
           <a:p>
             <a:fld id="{D2823C25-744F-4FC2-97CE-C2C9052CCE26}" type="datetimeFigureOut">
               <a:rPr lang="en-US" smtClean="0"/>
-              <a:t>10/15/2018</a:t>
+              <a:t>10/17/2018</a:t>
             </a:fld>
             <a:endParaRPr lang="en-US"/>
           </a:p>
@@ -3602,7 +3602,7 @@
           <a:p>
             <a:fld id="{D2823C25-744F-4FC2-97CE-C2C9052CCE26}" type="datetimeFigureOut">
               <a:rPr lang="en-US" smtClean="0"/>
-              <a:t>10/15/2018</a:t>
+              <a:t>10/17/2018</a:t>
             </a:fld>
             <a:endParaRPr lang="en-US"/>
           </a:p>
@@ -3834,7 +3834,7 @@
           <a:p>
             <a:fld id="{D2823C25-744F-4FC2-97CE-C2C9052CCE26}" type="datetimeFigureOut">
               <a:rPr lang="en-US" smtClean="0"/>
-              <a:t>10/15/2018</a:t>
+              <a:t>10/17/2018</a:t>
             </a:fld>
             <a:endParaRPr lang="en-US"/>
           </a:p>
@@ -4208,7 +4208,7 @@
           <a:p>
             <a:fld id="{D2823C25-744F-4FC2-97CE-C2C9052CCE26}" type="datetimeFigureOut">
               <a:rPr lang="en-US" smtClean="0"/>
-              <a:t>10/15/2018</a:t>
+              <a:t>10/17/2018</a:t>
             </a:fld>
             <a:endParaRPr lang="en-US"/>
           </a:p>
@@ -4331,7 +4331,7 @@
           <a:p>
             <a:fld id="{D2823C25-744F-4FC2-97CE-C2C9052CCE26}" type="datetimeFigureOut">
               <a:rPr lang="en-US" smtClean="0"/>
-              <a:t>10/15/2018</a:t>
+              <a:t>10/17/2018</a:t>
             </a:fld>
             <a:endParaRPr lang="en-US"/>
           </a:p>
@@ -4426,7 +4426,7 @@
           <a:p>
             <a:fld id="{D2823C25-744F-4FC2-97CE-C2C9052CCE26}" type="datetimeFigureOut">
               <a:rPr lang="en-US" smtClean="0"/>
-              <a:t>10/15/2018</a:t>
+              <a:t>10/17/2018</a:t>
             </a:fld>
             <a:endParaRPr lang="en-US"/>
           </a:p>
@@ -4681,7 +4681,7 @@
           <a:p>
             <a:fld id="{D2823C25-744F-4FC2-97CE-C2C9052CCE26}" type="datetimeFigureOut">
               <a:rPr lang="en-US" smtClean="0"/>
-              <a:t>10/15/2018</a:t>
+              <a:t>10/17/2018</a:t>
             </a:fld>
             <a:endParaRPr lang="en-US"/>
           </a:p>
@@ -4986,7 +4986,7 @@
           <a:p>
             <a:fld id="{D2823C25-744F-4FC2-97CE-C2C9052CCE26}" type="datetimeFigureOut">
               <a:rPr lang="en-US" smtClean="0"/>
-              <a:t>10/15/2018</a:t>
+              <a:t>10/17/2018</a:t>
             </a:fld>
             <a:endParaRPr lang="en-US"/>
           </a:p>
@@ -5691,7 +5691,7 @@
           <a:p>
             <a:fld id="{D2823C25-744F-4FC2-97CE-C2C9052CCE26}" type="datetimeFigureOut">
               <a:rPr lang="en-US" smtClean="0"/>
-              <a:t>10/15/2018</a:t>
+              <a:t>10/17/2018</a:t>
             </a:fld>
             <a:endParaRPr lang="en-US"/>
           </a:p>
@@ -7846,13 +7846,13 @@
               <a:rPr lang="en-US" sz="2200" b="1" dirty="0">
                 <a:latin typeface="Consolas" panose="020B0609020204030204" pitchFamily="49" charset="0"/>
               </a:rPr>
-              <a:t> my: </a:t>
+              <a:t> ex: </a:t>
             </a:r>
             <a:r>
               <a:rPr lang="en-US" sz="2200" b="1" dirty="0" err="1">
                 <a:latin typeface="Consolas" panose="020B0609020204030204" pitchFamily="49" charset="0"/>
               </a:rPr>
-              <a:t>MyException</a:t>
+              <a:t>JwtException</a:t>
             </a:r>
             <a:r>
               <a:rPr lang="en-US" sz="2200" b="1" dirty="0">
@@ -7866,19 +7866,25 @@
               <a:rPr lang="en-US" sz="2200" b="1" dirty="0">
                 <a:latin typeface="Consolas" panose="020B0609020204030204" pitchFamily="49" charset="0"/>
               </a:rPr>
-              <a:t>        complete((</a:t>
-            </a:r>
-            <a:r>
-              <a:rPr lang="en-US" sz="2200" b="1" i="1" dirty="0" err="1">
+              <a:t>        complete</a:t>
+            </a:r>
+            <a:r>
+              <a:rPr lang="en-US" sz="2200" b="1">
+                <a:latin typeface="Consolas" panose="020B0609020204030204" pitchFamily="49" charset="0"/>
+              </a:rPr>
+              <a:t>((</a:t>
+            </a:r>
+            <a:r>
+              <a:rPr lang="en-US" sz="2200" b="1" i="1">
                 <a:solidFill>
                   <a:srgbClr val="7030A0"/>
                 </a:solidFill>
                 <a:latin typeface="Consolas" panose="020B0609020204030204" pitchFamily="49" charset="0"/>
               </a:rPr>
-              <a:t>InternalServerError</a:t>
-            </a:r>
-            <a:r>
-              <a:rPr lang="en-US" sz="2200" b="1" dirty="0">
+              <a:t>Unauthorized</a:t>
+            </a:r>
+            <a:r>
+              <a:rPr lang="en-US" sz="2200" b="1">
                 <a:latin typeface="Consolas" panose="020B0609020204030204" pitchFamily="49" charset="0"/>
               </a:rPr>
               <a:t>, </a:t>
@@ -7887,7 +7893,7 @@
               <a:rPr lang="en-US" sz="2200" b="1" dirty="0" err="1">
                 <a:latin typeface="Consolas" panose="020B0609020204030204" pitchFamily="49" charset="0"/>
               </a:rPr>
-              <a:t>my.getMessage</a:t>
+              <a:t>ex.getMessage</a:t>
             </a:r>
             <a:r>
               <a:rPr lang="en-US" sz="2200" b="1" dirty="0">
@@ -10396,13 +10402,13 @@
         </p:nvSpPr>
         <p:spPr>
           <a:xfrm>
-            <a:off x="909862" y="700550"/>
+            <a:off x="847718" y="700550"/>
             <a:ext cx="10364596" cy="5456900"/>
           </a:xfrm>
         </p:spPr>
         <p:txBody>
           <a:bodyPr>
-            <a:normAutofit lnSpcReduction="10000"/>
+            <a:normAutofit fontScale="92500" lnSpcReduction="10000"/>
           </a:bodyPr>
           <a:lstStyle/>
           <a:p>
@@ -10410,20 +10416,20 @@
               <a:buNone/>
             </a:pPr>
             <a:r>
-              <a:rPr lang="en-US" sz="2800" b="1" dirty="0">
+              <a:rPr lang="en-US" sz="2000" b="1" dirty="0">
                 <a:latin typeface="Consolas" panose="020B0609020204030204" pitchFamily="49" charset="0"/>
               </a:rPr>
               <a:t>Reactive (</a:t>
             </a:r>
             <a:r>
-              <a:rPr lang="en-US" sz="2800" b="1" dirty="0">
+              <a:rPr lang="en-US" sz="2000" b="1" dirty="0">
                 <a:latin typeface="Consolas" panose="020B0609020204030204" pitchFamily="49" charset="0"/>
                 <a:hlinkClick r:id="rId2"/>
               </a:rPr>
               <a:t>Reactive Manifesto</a:t>
             </a:r>
             <a:r>
-              <a:rPr lang="en-US" sz="2800" b="1" dirty="0">
+              <a:rPr lang="en-US" sz="2000" b="1" dirty="0">
                 <a:latin typeface="Consolas" panose="020B0609020204030204" pitchFamily="49" charset="0"/>
               </a:rPr>
               <a:t>)</a:t>
@@ -10435,31 +10441,13 @@
               <a:buChar char="•"/>
             </a:pPr>
             <a:r>
-              <a:rPr lang="en-US" sz="2000" b="1" dirty="0">
+              <a:rPr lang="en-US" sz="1600" b="1" dirty="0">
                 <a:solidFill>
                   <a:srgbClr val="00B050"/>
                 </a:solidFill>
                 <a:latin typeface="Consolas" panose="020B0609020204030204" pitchFamily="49" charset="0"/>
               </a:rPr>
-              <a:t>Responsive </a:t>
-            </a:r>
-            <a:r>
-              <a:rPr lang="en-US" sz="2000" b="1">
-                <a:solidFill>
-                  <a:srgbClr val="00B050"/>
-                </a:solidFill>
-                <a:latin typeface="Consolas" panose="020B0609020204030204" pitchFamily="49" charset="0"/>
-              </a:rPr>
-              <a:t>- fast </a:t>
-            </a:r>
-            <a:r>
-              <a:rPr lang="en-US" sz="2000" b="1" dirty="0">
-                <a:solidFill>
-                  <a:srgbClr val="00B050"/>
-                </a:solidFill>
-                <a:latin typeface="Consolas" panose="020B0609020204030204" pitchFamily="49" charset="0"/>
-              </a:rPr>
-              <a:t>and consistent response times</a:t>
+              <a:t>Responsive - fast and consistent response times</a:t>
             </a:r>
           </a:p>
           <a:p>
@@ -10468,7 +10456,7 @@
               <a:buChar char="•"/>
             </a:pPr>
             <a:r>
-              <a:rPr lang="en-US" sz="2000" b="1" dirty="0">
+              <a:rPr lang="en-US" sz="1600" b="1" dirty="0">
                 <a:solidFill>
                   <a:srgbClr val="00B050"/>
                 </a:solidFill>
@@ -10483,7 +10471,7 @@
               <a:buChar char="•"/>
             </a:pPr>
             <a:r>
-              <a:rPr lang="en-US" sz="2000" b="1" dirty="0">
+              <a:rPr lang="en-US" sz="1600" b="1" dirty="0">
                 <a:solidFill>
                   <a:srgbClr val="00B050"/>
                 </a:solidFill>
@@ -10498,13 +10486,22 @@
               <a:buChar char="•"/>
             </a:pPr>
             <a:r>
-              <a:rPr lang="en-US" sz="2000" b="1" dirty="0">
+              <a:rPr lang="en-US" sz="1600" b="1" dirty="0">
                 <a:solidFill>
                   <a:srgbClr val="00B050"/>
                 </a:solidFill>
                 <a:latin typeface="Consolas" panose="020B0609020204030204" pitchFamily="49" charset="0"/>
               </a:rPr>
-              <a:t>Message Driven – asynchronous, non blocking operations</a:t>
+              <a:t>Message Driven – asynchronous</a:t>
+            </a:r>
+            <a:r>
+              <a:rPr lang="en-US" sz="1700" b="1" dirty="0">
+                <a:solidFill>
+                  <a:srgbClr val="00B050"/>
+                </a:solidFill>
+                <a:latin typeface="Consolas" panose="020B0609020204030204" pitchFamily="49" charset="0"/>
+              </a:rPr>
+              <a:t>, non blocking operations</a:t>
             </a:r>
           </a:p>
           <a:p>
@@ -10512,7 +10509,7 @@
               <a:buNone/>
             </a:pPr>
             <a:r>
-              <a:rPr lang="en-US" sz="2800" b="1" dirty="0">
+              <a:rPr lang="en-US" sz="2000" b="1" dirty="0">
                 <a:latin typeface="Consolas" panose="020B0609020204030204" pitchFamily="49" charset="0"/>
               </a:rPr>
               <a:t>Secured</a:t>
@@ -10524,7 +10521,7 @@
               <a:buChar char="§"/>
             </a:pPr>
             <a:r>
-              <a:rPr lang="en-US" sz="2000" b="1" dirty="0">
+              <a:rPr lang="en-US" sz="1600" b="1" dirty="0">
                 <a:solidFill>
                   <a:srgbClr val="00B050"/>
                 </a:solidFill>
@@ -10539,7 +10536,7 @@
               <a:buChar char="§"/>
             </a:pPr>
             <a:r>
-              <a:rPr lang="en-US" sz="2000" b="1" dirty="0">
+              <a:rPr lang="en-US" sz="1600" b="1" dirty="0">
                 <a:solidFill>
                   <a:srgbClr val="00B050"/>
                 </a:solidFill>
@@ -10553,7 +10550,87 @@
               <a:buNone/>
             </a:pPr>
             <a:r>
-              <a:rPr lang="en-US" sz="2800" b="1" dirty="0">
+              <a:rPr lang="en-US" sz="2000" b="1" dirty="0">
+                <a:solidFill>
+                  <a:schemeClr val="tx1"/>
+                </a:solidFill>
+                <a:latin typeface="Consolas" panose="020B0609020204030204" pitchFamily="49" charset="0"/>
+              </a:rPr>
+              <a:t>Monitoring</a:t>
+            </a:r>
+          </a:p>
+          <a:p>
+            <a:pPr>
+              <a:buFont typeface="Arial" panose="020B0604020202020204" pitchFamily="34" charset="0"/>
+              <a:buChar char="•"/>
+            </a:pPr>
+            <a:r>
+              <a:rPr lang="en-US" sz="1600" b="1" dirty="0">
+                <a:solidFill>
+                  <a:srgbClr val="00B050"/>
+                </a:solidFill>
+                <a:latin typeface="Consolas" panose="020B0609020204030204" pitchFamily="49" charset="0"/>
+              </a:rPr>
+              <a:t>Constantly collect and send metrics </a:t>
+            </a:r>
+            <a:r>
+              <a:rPr lang="en-US" sz="1600" b="1">
+                <a:solidFill>
+                  <a:srgbClr val="00B050"/>
+                </a:solidFill>
+                <a:latin typeface="Consolas" panose="020B0609020204030204" pitchFamily="49" charset="0"/>
+              </a:rPr>
+              <a:t>to a monitoring </a:t>
+            </a:r>
+            <a:r>
+              <a:rPr lang="en-US" sz="1600" b="1" dirty="0">
+                <a:solidFill>
+                  <a:srgbClr val="00B050"/>
+                </a:solidFill>
+                <a:latin typeface="Consolas" panose="020B0609020204030204" pitchFamily="49" charset="0"/>
+              </a:rPr>
+              <a:t>platform (</a:t>
+            </a:r>
+            <a:r>
+              <a:rPr lang="en-US" sz="1600" b="1" dirty="0" err="1">
+                <a:solidFill>
+                  <a:srgbClr val="00B050"/>
+                </a:solidFill>
+                <a:latin typeface="Consolas" panose="020B0609020204030204" pitchFamily="49" charset="0"/>
+              </a:rPr>
+              <a:t>DataDog</a:t>
+            </a:r>
+            <a:r>
+              <a:rPr lang="en-US" sz="1600" b="1" dirty="0">
+                <a:solidFill>
+                  <a:srgbClr val="00B050"/>
+                </a:solidFill>
+                <a:latin typeface="Consolas" panose="020B0609020204030204" pitchFamily="49" charset="0"/>
+              </a:rPr>
+              <a:t>)</a:t>
+            </a:r>
+          </a:p>
+          <a:p>
+            <a:pPr>
+              <a:buFont typeface="Arial" panose="020B0604020202020204" pitchFamily="34" charset="0"/>
+              <a:buChar char="•"/>
+            </a:pPr>
+            <a:r>
+              <a:rPr lang="en-US" sz="1600" b="1" dirty="0">
+                <a:solidFill>
+                  <a:srgbClr val="00B050"/>
+                </a:solidFill>
+                <a:latin typeface="Consolas" panose="020B0609020204030204" pitchFamily="49" charset="0"/>
+              </a:rPr>
+              <a:t>ELK stack for indexing and query for log messages</a:t>
+            </a:r>
+          </a:p>
+          <a:p>
+            <a:pPr marL="0" indent="0">
+              <a:buNone/>
+            </a:pPr>
+            <a:r>
+              <a:rPr lang="en-US" sz="2000" b="1" dirty="0">
                 <a:latin typeface="Consolas" panose="020B0609020204030204" pitchFamily="49" charset="0"/>
               </a:rPr>
               <a:t>Documented</a:t>
@@ -10565,7 +10642,7 @@
               <a:buChar char="§"/>
             </a:pPr>
             <a:r>
-              <a:rPr lang="en-US" sz="2000" b="1" dirty="0">
+              <a:rPr lang="en-US" sz="1600" b="1" dirty="0">
                 <a:solidFill>
                   <a:srgbClr val="00B050"/>
                 </a:solidFill>
@@ -10579,7 +10656,7 @@
               <a:buNone/>
             </a:pPr>
             <a:r>
-              <a:rPr lang="en-US" sz="2800" b="1" dirty="0">
+              <a:rPr lang="en-US" sz="2000" b="1" dirty="0">
                 <a:latin typeface="Consolas" panose="020B0609020204030204" pitchFamily="49" charset="0"/>
               </a:rPr>
               <a:t>Tested</a:t>
@@ -10591,7 +10668,7 @@
               <a:buChar char="§"/>
             </a:pPr>
             <a:r>
-              <a:rPr lang="en-US" sz="2000" b="1" dirty="0">
+              <a:rPr lang="en-US" sz="1600" b="1" dirty="0">
                 <a:solidFill>
                   <a:srgbClr val="00B050"/>
                 </a:solidFill>
@@ -10600,7 +10677,7 @@
               <a:t>Scala, </a:t>
             </a:r>
             <a:r>
-              <a:rPr lang="en-US" sz="2000" b="1" dirty="0" err="1">
+              <a:rPr lang="en-US" sz="1600" b="1" dirty="0" err="1">
                 <a:solidFill>
                   <a:srgbClr val="00B050"/>
                 </a:solidFill>
@@ -10609,7 +10686,7 @@
               <a:t>Akka</a:t>
             </a:r>
             <a:r>
-              <a:rPr lang="en-US" sz="2000" b="1" dirty="0">
+              <a:rPr lang="en-US" sz="1600" b="1" dirty="0">
                 <a:solidFill>
                   <a:srgbClr val="00B050"/>
                 </a:solidFill>
@@ -10618,7 +10695,7 @@
               <a:t>, </a:t>
             </a:r>
             <a:r>
-              <a:rPr lang="en-US" sz="2000" b="1" dirty="0" err="1">
+              <a:rPr lang="en-US" sz="1600" b="1" dirty="0" err="1">
                 <a:solidFill>
                   <a:srgbClr val="00B050"/>
                 </a:solidFill>
@@ -10627,7 +10704,7 @@
               <a:t>Akka</a:t>
             </a:r>
             <a:r>
-              <a:rPr lang="en-US" sz="2000" b="1" dirty="0">
+              <a:rPr lang="en-US" sz="1600" b="1" dirty="0">
                 <a:solidFill>
                   <a:srgbClr val="00B050"/>
                 </a:solidFill>
